--- a/Chapter_6_Capstone_2_Milestone_Report_2.pptx
+++ b/Chapter_6_Capstone_2_Milestone_Report_2.pptx
@@ -138,7 +138,7 @@
 <file path=ppt/revisionInfo.xml><?xml version="1.0" encoding="utf-8"?>
 <p1510:revInfo xmlns:a="http://schemas.openxmlformats.org/drawingml/2006/main" xmlns:r="http://schemas.openxmlformats.org/officeDocument/2006/relationships" xmlns:p1510="http://schemas.microsoft.com/office/powerpoint/2015/10/main">
   <p1510:revLst>
-    <p1510:client id="{37F1B1DA-39BD-4E92-9E24-58DBCD0BC578}" v="856" dt="2019-10-16T04:04:41.702"/>
+    <p1510:client id="{37F1B1DA-39BD-4E92-9E24-58DBCD0BC578}" v="1232" dt="2019-10-17T03:23:29.319"/>
   </p1510:revLst>
 </p1510:revInfo>
 </file>
@@ -493,7 +493,7 @@
   <pc:docChgLst>
     <pc:chgData name="Nosbisch, Brock" userId="7e9a922f-63f0-45a6-8d77-37d3cf5d4573" providerId="ADAL" clId="{37F1B1DA-39BD-4E92-9E24-58DBCD0BC578}"/>
     <pc:docChg chg="undo custSel addSld delSld modSld sldOrd">
-      <pc:chgData name="Nosbisch, Brock" userId="7e9a922f-63f0-45a6-8d77-37d3cf5d4573" providerId="ADAL" clId="{37F1B1DA-39BD-4E92-9E24-58DBCD0BC578}" dt="2019-10-16T04:04:41.702" v="855" actId="20577"/>
+      <pc:chgData name="Nosbisch, Brock" userId="7e9a922f-63f0-45a6-8d77-37d3cf5d4573" providerId="ADAL" clId="{37F1B1DA-39BD-4E92-9E24-58DBCD0BC578}" dt="2019-10-17T03:23:29.319" v="1230" actId="20577"/>
       <pc:docMkLst>
         <pc:docMk/>
       </pc:docMkLst>
@@ -542,8 +542,39 @@
           </ac:spMkLst>
         </pc:spChg>
       </pc:sldChg>
+      <pc:sldChg chg="addSp delSp modSp">
+        <pc:chgData name="Nosbisch, Brock" userId="7e9a922f-63f0-45a6-8d77-37d3cf5d4573" providerId="ADAL" clId="{37F1B1DA-39BD-4E92-9E24-58DBCD0BC578}" dt="2019-10-17T02:37:27.013" v="863" actId="1076"/>
+        <pc:sldMkLst>
+          <pc:docMk/>
+          <pc:sldMk cId="287247585" sldId="282"/>
+        </pc:sldMkLst>
+        <pc:picChg chg="del">
+          <ac:chgData name="Nosbisch, Brock" userId="7e9a922f-63f0-45a6-8d77-37d3cf5d4573" providerId="ADAL" clId="{37F1B1DA-39BD-4E92-9E24-58DBCD0BC578}" dt="2019-10-17T02:36:55.231" v="856" actId="478"/>
+          <ac:picMkLst>
+            <pc:docMk/>
+            <pc:sldMk cId="287247585" sldId="282"/>
+            <ac:picMk id="3" creationId="{1B434C33-8E18-4435-A373-D6AFF84CF9AD}"/>
+          </ac:picMkLst>
+        </pc:picChg>
+        <pc:picChg chg="add mod">
+          <ac:chgData name="Nosbisch, Brock" userId="7e9a922f-63f0-45a6-8d77-37d3cf5d4573" providerId="ADAL" clId="{37F1B1DA-39BD-4E92-9E24-58DBCD0BC578}" dt="2019-10-17T02:37:07.021" v="859" actId="14100"/>
+          <ac:picMkLst>
+            <pc:docMk/>
+            <pc:sldMk cId="287247585" sldId="282"/>
+            <ac:picMk id="1026" creationId="{B637553A-C717-43F2-85F5-6AADE603F5AB}"/>
+          </ac:picMkLst>
+        </pc:picChg>
+        <pc:picChg chg="add mod">
+          <ac:chgData name="Nosbisch, Brock" userId="7e9a922f-63f0-45a6-8d77-37d3cf5d4573" providerId="ADAL" clId="{37F1B1DA-39BD-4E92-9E24-58DBCD0BC578}" dt="2019-10-17T02:37:27.013" v="863" actId="1076"/>
+          <ac:picMkLst>
+            <pc:docMk/>
+            <pc:sldMk cId="287247585" sldId="282"/>
+            <ac:picMk id="1028" creationId="{3FF85911-6E1E-4ABC-9BD0-B930DB52E3CE}"/>
+          </ac:picMkLst>
+        </pc:picChg>
+      </pc:sldChg>
       <pc:sldChg chg="addSp delSp modSp add">
-        <pc:chgData name="Nosbisch, Brock" userId="7e9a922f-63f0-45a6-8d77-37d3cf5d4573" providerId="ADAL" clId="{37F1B1DA-39BD-4E92-9E24-58DBCD0BC578}" dt="2019-10-16T03:20:31.803" v="97"/>
+        <pc:chgData name="Nosbisch, Brock" userId="7e9a922f-63f0-45a6-8d77-37d3cf5d4573" providerId="ADAL" clId="{37F1B1DA-39BD-4E92-9E24-58DBCD0BC578}" dt="2019-10-16T03:20:31.803" v="97" actId="20577"/>
         <pc:sldMkLst>
           <pc:docMk/>
           <pc:sldMk cId="2826510288" sldId="284"/>
@@ -565,7 +596,7 @@
           </ac:spMkLst>
         </pc:spChg>
         <pc:spChg chg="add del">
-          <ac:chgData name="Nosbisch, Brock" userId="7e9a922f-63f0-45a6-8d77-37d3cf5d4573" providerId="ADAL" clId="{37F1B1DA-39BD-4E92-9E24-58DBCD0BC578}" dt="2019-10-16T03:20:31.803" v="97"/>
+          <ac:chgData name="Nosbisch, Brock" userId="7e9a922f-63f0-45a6-8d77-37d3cf5d4573" providerId="ADAL" clId="{37F1B1DA-39BD-4E92-9E24-58DBCD0BC578}" dt="2019-10-16T03:20:31.803" v="97" actId="20577"/>
           <ac:spMkLst>
             <pc:docMk/>
             <pc:sldMk cId="2826510288" sldId="284"/>
@@ -573,8 +604,8 @@
           </ac:spMkLst>
         </pc:spChg>
       </pc:sldChg>
-      <pc:sldChg chg="addSp modSp add mod setBg">
-        <pc:chgData name="Nosbisch, Brock" userId="7e9a922f-63f0-45a6-8d77-37d3cf5d4573" providerId="ADAL" clId="{37F1B1DA-39BD-4E92-9E24-58DBCD0BC578}" dt="2019-10-16T03:23:04.419" v="114" actId="14100"/>
+      <pc:sldChg chg="addSp delSp modSp add mod setBg">
+        <pc:chgData name="Nosbisch, Brock" userId="7e9a922f-63f0-45a6-8d77-37d3cf5d4573" providerId="ADAL" clId="{37F1B1DA-39BD-4E92-9E24-58DBCD0BC578}" dt="2019-10-17T03:05:40.500" v="1051" actId="1076"/>
         <pc:sldMkLst>
           <pc:docMk/>
           <pc:sldMk cId="3845215760" sldId="285"/>
@@ -611,17 +642,25 @@
             <ac:spMk id="11" creationId="{74DB6F31-1B9E-4237-84A3-0825BFDF4616}"/>
           </ac:spMkLst>
         </pc:spChg>
-        <pc:picChg chg="add mod">
-          <ac:chgData name="Nosbisch, Brock" userId="7e9a922f-63f0-45a6-8d77-37d3cf5d4573" providerId="ADAL" clId="{37F1B1DA-39BD-4E92-9E24-58DBCD0BC578}" dt="2019-10-16T03:23:04.419" v="114" actId="14100"/>
+        <pc:picChg chg="add del mod">
+          <ac:chgData name="Nosbisch, Brock" userId="7e9a922f-63f0-45a6-8d77-37d3cf5d4573" providerId="ADAL" clId="{37F1B1DA-39BD-4E92-9E24-58DBCD0BC578}" dt="2019-10-17T03:05:15.843" v="1034" actId="478"/>
           <ac:picMkLst>
             <pc:docMk/>
             <pc:sldMk cId="3845215760" sldId="285"/>
             <ac:picMk id="4" creationId="{851A92BA-41FC-4A2F-8F90-8935C19FC4F2}"/>
           </ac:picMkLst>
         </pc:picChg>
+        <pc:picChg chg="add mod">
+          <ac:chgData name="Nosbisch, Brock" userId="7e9a922f-63f0-45a6-8d77-37d3cf5d4573" providerId="ADAL" clId="{37F1B1DA-39BD-4E92-9E24-58DBCD0BC578}" dt="2019-10-17T03:05:40.500" v="1051" actId="1076"/>
+          <ac:picMkLst>
+            <pc:docMk/>
+            <pc:sldMk cId="3845215760" sldId="285"/>
+            <ac:picMk id="5" creationId="{9D1E0A2D-DB23-4416-9A14-89CFC981C4ED}"/>
+          </ac:picMkLst>
+        </pc:picChg>
       </pc:sldChg>
       <pc:sldChg chg="addSp delSp modSp add mod ord setBg">
-        <pc:chgData name="Nosbisch, Brock" userId="7e9a922f-63f0-45a6-8d77-37d3cf5d4573" providerId="ADAL" clId="{37F1B1DA-39BD-4E92-9E24-58DBCD0BC578}" dt="2019-10-16T03:47:05.581" v="566" actId="1038"/>
+        <pc:chgData name="Nosbisch, Brock" userId="7e9a922f-63f0-45a6-8d77-37d3cf5d4573" providerId="ADAL" clId="{37F1B1DA-39BD-4E92-9E24-58DBCD0BC578}" dt="2019-10-17T03:18:21.966" v="1160" actId="1037"/>
         <pc:sldMkLst>
           <pc:docMk/>
           <pc:sldMk cId="2055882331" sldId="286"/>
@@ -635,7 +674,7 @@
           </ac:spMkLst>
         </pc:spChg>
         <pc:spChg chg="mod ord">
-          <ac:chgData name="Nosbisch, Brock" userId="7e9a922f-63f0-45a6-8d77-37d3cf5d4573" providerId="ADAL" clId="{37F1B1DA-39BD-4E92-9E24-58DBCD0BC578}" dt="2019-10-16T03:40:27.137" v="463" actId="27636"/>
+          <ac:chgData name="Nosbisch, Brock" userId="7e9a922f-63f0-45a6-8d77-37d3cf5d4573" providerId="ADAL" clId="{37F1B1DA-39BD-4E92-9E24-58DBCD0BC578}" dt="2019-10-17T03:07:06.535" v="1074" actId="20577"/>
           <ac:spMkLst>
             <pc:docMk/>
             <pc:sldMk cId="2055882331" sldId="286"/>
@@ -675,7 +714,7 @@
           </ac:spMkLst>
         </pc:spChg>
         <pc:spChg chg="add mod">
-          <ac:chgData name="Nosbisch, Brock" userId="7e9a922f-63f0-45a6-8d77-37d3cf5d4573" providerId="ADAL" clId="{37F1B1DA-39BD-4E92-9E24-58DBCD0BC578}" dt="2019-10-16T03:41:51.095" v="488" actId="27636"/>
+          <ac:chgData name="Nosbisch, Brock" userId="7e9a922f-63f0-45a6-8d77-37d3cf5d4573" providerId="ADAL" clId="{37F1B1DA-39BD-4E92-9E24-58DBCD0BC578}" dt="2019-10-17T03:07:59.075" v="1083" actId="20577"/>
           <ac:spMkLst>
             <pc:docMk/>
             <pc:sldMk cId="2055882331" sldId="286"/>
@@ -690,6 +729,14 @@
             <ac:picMk id="4" creationId="{8A1A1E0A-8AFA-4C0B-A2B0-338726030DA4}"/>
           </ac:picMkLst>
         </pc:picChg>
+        <pc:picChg chg="add mod">
+          <ac:chgData name="Nosbisch, Brock" userId="7e9a922f-63f0-45a6-8d77-37d3cf5d4573" providerId="ADAL" clId="{37F1B1DA-39BD-4E92-9E24-58DBCD0BC578}" dt="2019-10-17T03:18:21.966" v="1160" actId="1037"/>
+          <ac:picMkLst>
+            <pc:docMk/>
+            <pc:sldMk cId="2055882331" sldId="286"/>
+            <ac:picMk id="4" creationId="{BDDDA38E-AD28-4282-A284-3E8A26DFF56B}"/>
+          </ac:picMkLst>
+        </pc:picChg>
         <pc:picChg chg="add del mod">
           <ac:chgData name="Nosbisch, Brock" userId="7e9a922f-63f0-45a6-8d77-37d3cf5d4573" providerId="ADAL" clId="{37F1B1DA-39BD-4E92-9E24-58DBCD0BC578}" dt="2019-10-16T03:35:24.322" v="405" actId="478"/>
           <ac:picMkLst>
@@ -698,8 +745,8 @@
             <ac:picMk id="5" creationId="{852165C8-88B2-44A8-B547-4F93A18C83E8}"/>
           </ac:picMkLst>
         </pc:picChg>
-        <pc:picChg chg="add mod">
-          <ac:chgData name="Nosbisch, Brock" userId="7e9a922f-63f0-45a6-8d77-37d3cf5d4573" providerId="ADAL" clId="{37F1B1DA-39BD-4E92-9E24-58DBCD0BC578}" dt="2019-10-16T03:47:05.581" v="566" actId="1038"/>
+        <pc:picChg chg="add del mod">
+          <ac:chgData name="Nosbisch, Brock" userId="7e9a922f-63f0-45a6-8d77-37d3cf5d4573" providerId="ADAL" clId="{37F1B1DA-39BD-4E92-9E24-58DBCD0BC578}" dt="2019-10-17T03:06:24.896" v="1052" actId="478"/>
           <ac:picMkLst>
             <pc:docMk/>
             <pc:sldMk cId="2055882331" sldId="286"/>
@@ -723,7 +770,7 @@
           </ac:picMkLst>
         </pc:picChg>
         <pc:picChg chg="add del mod">
-          <ac:chgData name="Nosbisch, Brock" userId="7e9a922f-63f0-45a6-8d77-37d3cf5d4573" providerId="ADAL" clId="{37F1B1DA-39BD-4E92-9E24-58DBCD0BC578}" dt="2019-10-16T03:27:43.597" v="174"/>
+          <ac:chgData name="Nosbisch, Brock" userId="7e9a922f-63f0-45a6-8d77-37d3cf5d4573" providerId="ADAL" clId="{37F1B1DA-39BD-4E92-9E24-58DBCD0BC578}" dt="2019-10-16T03:27:43.597" v="174" actId="1038"/>
           <ac:picMkLst>
             <pc:docMk/>
             <pc:sldMk cId="2055882331" sldId="286"/>
@@ -754,7 +801,7 @@
           <pc:sldMk cId="2480545881" sldId="287"/>
         </pc:sldMkLst>
         <pc:spChg chg="mod">
-          <ac:chgData name="Nosbisch, Brock" userId="7e9a922f-63f0-45a6-8d77-37d3cf5d4573" providerId="ADAL" clId="{37F1B1DA-39BD-4E92-9E24-58DBCD0BC578}" dt="2019-10-16T03:29:17.333" v="195"/>
+          <ac:chgData name="Nosbisch, Brock" userId="7e9a922f-63f0-45a6-8d77-37d3cf5d4573" providerId="ADAL" clId="{37F1B1DA-39BD-4E92-9E24-58DBCD0BC578}" dt="2019-10-16T03:29:17.333" v="195" actId="2696"/>
           <ac:spMkLst>
             <pc:docMk/>
             <pc:sldMk cId="2480545881" sldId="287"/>
@@ -818,7 +865,7 @@
         </pc:picChg>
       </pc:sldChg>
       <pc:sldChg chg="delSp modSp add">
-        <pc:chgData name="Nosbisch, Brock" userId="7e9a922f-63f0-45a6-8d77-37d3cf5d4573" providerId="ADAL" clId="{37F1B1DA-39BD-4E92-9E24-58DBCD0BC578}" dt="2019-10-16T03:33:01.793" v="384" actId="255"/>
+        <pc:chgData name="Nosbisch, Brock" userId="7e9a922f-63f0-45a6-8d77-37d3cf5d4573" providerId="ADAL" clId="{37F1B1DA-39BD-4E92-9E24-58DBCD0BC578}" dt="2019-10-17T02:42:07.069" v="1033" actId="1035"/>
         <pc:sldMkLst>
           <pc:docMk/>
           <pc:sldMk cId="1991079026" sldId="288"/>
@@ -832,7 +879,7 @@
           </ac:spMkLst>
         </pc:spChg>
         <pc:spChg chg="mod">
-          <ac:chgData name="Nosbisch, Brock" userId="7e9a922f-63f0-45a6-8d77-37d3cf5d4573" providerId="ADAL" clId="{37F1B1DA-39BD-4E92-9E24-58DBCD0BC578}" dt="2019-10-16T03:33:01.793" v="384" actId="255"/>
+          <ac:chgData name="Nosbisch, Brock" userId="7e9a922f-63f0-45a6-8d77-37d3cf5d4573" providerId="ADAL" clId="{37F1B1DA-39BD-4E92-9E24-58DBCD0BC578}" dt="2019-10-17T02:42:07.069" v="1033" actId="1035"/>
           <ac:spMkLst>
             <pc:docMk/>
             <pc:sldMk cId="1991079026" sldId="288"/>
@@ -856,29 +903,61 @@
           </ac:picMkLst>
         </pc:picChg>
       </pc:sldChg>
-      <pc:sldChg chg="modSp add setBg">
-        <pc:chgData name="Nosbisch, Brock" userId="7e9a922f-63f0-45a6-8d77-37d3cf5d4573" providerId="ADAL" clId="{37F1B1DA-39BD-4E92-9E24-58DBCD0BC578}" dt="2019-10-16T03:59:07.437" v="837" actId="20577"/>
+      <pc:sldChg chg="addSp delSp modSp add setBg">
+        <pc:chgData name="Nosbisch, Brock" userId="7e9a922f-63f0-45a6-8d77-37d3cf5d4573" providerId="ADAL" clId="{37F1B1DA-39BD-4E92-9E24-58DBCD0BC578}" dt="2019-10-17T03:14:53.091" v="1157" actId="14100"/>
         <pc:sldMkLst>
           <pc:docMk/>
           <pc:sldMk cId="4197550784" sldId="289"/>
         </pc:sldMkLst>
         <pc:spChg chg="mod">
-          <ac:chgData name="Nosbisch, Brock" userId="7e9a922f-63f0-45a6-8d77-37d3cf5d4573" providerId="ADAL" clId="{37F1B1DA-39BD-4E92-9E24-58DBCD0BC578}" dt="2019-10-16T03:59:07.437" v="837" actId="20577"/>
+          <ac:chgData name="Nosbisch, Brock" userId="7e9a922f-63f0-45a6-8d77-37d3cf5d4573" providerId="ADAL" clId="{37F1B1DA-39BD-4E92-9E24-58DBCD0BC578}" dt="2019-10-17T03:14:03.176" v="1153" actId="20577"/>
           <ac:spMkLst>
             <pc:docMk/>
             <pc:sldMk cId="4197550784" sldId="289"/>
             <ac:spMk id="3" creationId="{DC17F4F2-12E6-4918-AC58-B47148C463C3}"/>
           </ac:spMkLst>
         </pc:spChg>
+        <pc:picChg chg="add mod">
+          <ac:chgData name="Nosbisch, Brock" userId="7e9a922f-63f0-45a6-8d77-37d3cf5d4573" providerId="ADAL" clId="{37F1B1DA-39BD-4E92-9E24-58DBCD0BC578}" dt="2019-10-17T03:13:43.312" v="1130" actId="1038"/>
+          <ac:picMkLst>
+            <pc:docMk/>
+            <pc:sldMk cId="4197550784" sldId="289"/>
+            <ac:picMk id="4" creationId="{559B1573-2EED-4E5C-9323-2122A7D9781A}"/>
+          </ac:picMkLst>
+        </pc:picChg>
+        <pc:picChg chg="del">
+          <ac:chgData name="Nosbisch, Brock" userId="7e9a922f-63f0-45a6-8d77-37d3cf5d4573" providerId="ADAL" clId="{37F1B1DA-39BD-4E92-9E24-58DBCD0BC578}" dt="2019-10-17T03:13:32.233" v="1122" actId="478"/>
+          <ac:picMkLst>
+            <pc:docMk/>
+            <pc:sldMk cId="4197550784" sldId="289"/>
+            <ac:picMk id="5" creationId="{852165C8-88B2-44A8-B547-4F93A18C83E8}"/>
+          </ac:picMkLst>
+        </pc:picChg>
+        <pc:picChg chg="add mod">
+          <ac:chgData name="Nosbisch, Brock" userId="7e9a922f-63f0-45a6-8d77-37d3cf5d4573" providerId="ADAL" clId="{37F1B1DA-39BD-4E92-9E24-58DBCD0BC578}" dt="2019-10-17T03:14:53.091" v="1157" actId="14100"/>
+          <ac:picMkLst>
+            <pc:docMk/>
+            <pc:sldMk cId="4197550784" sldId="289"/>
+            <ac:picMk id="6" creationId="{CA7DCEC5-EC82-4D30-83EA-7CA6B4590766}"/>
+          </ac:picMkLst>
+        </pc:picChg>
+        <pc:picChg chg="del">
+          <ac:chgData name="Nosbisch, Brock" userId="7e9a922f-63f0-45a6-8d77-37d3cf5d4573" providerId="ADAL" clId="{37F1B1DA-39BD-4E92-9E24-58DBCD0BC578}" dt="2019-10-17T03:14:43.794" v="1154" actId="478"/>
+          <ac:picMkLst>
+            <pc:docMk/>
+            <pc:sldMk cId="4197550784" sldId="289"/>
+            <ac:picMk id="2052" creationId="{CCC19CDE-341A-4C60-A428-BD8106E69BC6}"/>
+          </ac:picMkLst>
+        </pc:picChg>
       </pc:sldChg>
       <pc:sldChg chg="addSp delSp add del setBg delDesignElem">
-        <pc:chgData name="Nosbisch, Brock" userId="7e9a922f-63f0-45a6-8d77-37d3cf5d4573" providerId="ADAL" clId="{37F1B1DA-39BD-4E92-9E24-58DBCD0BC578}" dt="2019-10-16T03:42:04.760" v="491"/>
+        <pc:chgData name="Nosbisch, Brock" userId="7e9a922f-63f0-45a6-8d77-37d3cf5d4573" providerId="ADAL" clId="{37F1B1DA-39BD-4E92-9E24-58DBCD0BC578}" dt="2019-10-16T03:42:04.760" v="491" actId="20577"/>
         <pc:sldMkLst>
           <pc:docMk/>
           <pc:sldMk cId="3110228770" sldId="290"/>
         </pc:sldMkLst>
         <pc:spChg chg="add del">
-          <ac:chgData name="Nosbisch, Brock" userId="7e9a922f-63f0-45a6-8d77-37d3cf5d4573" providerId="ADAL" clId="{37F1B1DA-39BD-4E92-9E24-58DBCD0BC578}" dt="2019-10-16T03:42:04.760" v="491"/>
+          <ac:chgData name="Nosbisch, Brock" userId="7e9a922f-63f0-45a6-8d77-37d3cf5d4573" providerId="ADAL" clId="{37F1B1DA-39BD-4E92-9E24-58DBCD0BC578}" dt="2019-10-16T03:42:04.760" v="491" actId="20577"/>
           <ac:spMkLst>
             <pc:docMk/>
             <pc:sldMk cId="3110228770" sldId="290"/>
@@ -886,7 +965,7 @@
           </ac:spMkLst>
         </pc:spChg>
         <pc:spChg chg="add del">
-          <ac:chgData name="Nosbisch, Brock" userId="7e9a922f-63f0-45a6-8d77-37d3cf5d4573" providerId="ADAL" clId="{37F1B1DA-39BD-4E92-9E24-58DBCD0BC578}" dt="2019-10-16T03:42:04.760" v="491"/>
+          <ac:chgData name="Nosbisch, Brock" userId="7e9a922f-63f0-45a6-8d77-37d3cf5d4573" providerId="ADAL" clId="{37F1B1DA-39BD-4E92-9E24-58DBCD0BC578}" dt="2019-10-16T03:42:04.760" v="491" actId="20577"/>
           <ac:spMkLst>
             <pc:docMk/>
             <pc:sldMk cId="3110228770" sldId="290"/>
@@ -901,7 +980,7 @@
           <pc:sldMk cId="3792883020" sldId="290"/>
         </pc:sldMkLst>
         <pc:spChg chg="del">
-          <ac:chgData name="Nosbisch, Brock" userId="7e9a922f-63f0-45a6-8d77-37d3cf5d4573" providerId="ADAL" clId="{37F1B1DA-39BD-4E92-9E24-58DBCD0BC578}" dt="2019-10-16T03:42:16.980" v="493"/>
+          <ac:chgData name="Nosbisch, Brock" userId="7e9a922f-63f0-45a6-8d77-37d3cf5d4573" providerId="ADAL" clId="{37F1B1DA-39BD-4E92-9E24-58DBCD0BC578}" dt="2019-10-16T03:42:16.980" v="493" actId="2696"/>
           <ac:spMkLst>
             <pc:docMk/>
             <pc:sldMk cId="3792883020" sldId="290"/>
@@ -909,7 +988,7 @@
           </ac:spMkLst>
         </pc:spChg>
         <pc:spChg chg="del">
-          <ac:chgData name="Nosbisch, Brock" userId="7e9a922f-63f0-45a6-8d77-37d3cf5d4573" providerId="ADAL" clId="{37F1B1DA-39BD-4E92-9E24-58DBCD0BC578}" dt="2019-10-16T03:42:16.980" v="493"/>
+          <ac:chgData name="Nosbisch, Brock" userId="7e9a922f-63f0-45a6-8d77-37d3cf5d4573" providerId="ADAL" clId="{37F1B1DA-39BD-4E92-9E24-58DBCD0BC578}" dt="2019-10-16T03:42:16.980" v="493" actId="2696"/>
           <ac:spMkLst>
             <pc:docMk/>
             <pc:sldMk cId="3792883020" sldId="290"/>
@@ -917,7 +996,7 @@
           </ac:spMkLst>
         </pc:spChg>
         <pc:picChg chg="del">
-          <ac:chgData name="Nosbisch, Brock" userId="7e9a922f-63f0-45a6-8d77-37d3cf5d4573" providerId="ADAL" clId="{37F1B1DA-39BD-4E92-9E24-58DBCD0BC578}" dt="2019-10-16T03:42:20.842" v="494"/>
+          <ac:chgData name="Nosbisch, Brock" userId="7e9a922f-63f0-45a6-8d77-37d3cf5d4573" providerId="ADAL" clId="{37F1B1DA-39BD-4E92-9E24-58DBCD0BC578}" dt="2019-10-16T03:42:20.842" v="494" actId="2696"/>
           <ac:picMkLst>
             <pc:docMk/>
             <pc:sldMk cId="3792883020" sldId="290"/>
@@ -925,7 +1004,7 @@
           </ac:picMkLst>
         </pc:picChg>
         <pc:picChg chg="add">
-          <ac:chgData name="Nosbisch, Brock" userId="7e9a922f-63f0-45a6-8d77-37d3cf5d4573" providerId="ADAL" clId="{37F1B1DA-39BD-4E92-9E24-58DBCD0BC578}" dt="2019-10-16T03:42:21.265" v="495"/>
+          <ac:chgData name="Nosbisch, Brock" userId="7e9a922f-63f0-45a6-8d77-37d3cf5d4573" providerId="ADAL" clId="{37F1B1DA-39BD-4E92-9E24-58DBCD0BC578}" dt="2019-10-16T03:42:21.265" v="495" actId="2696"/>
           <ac:picMkLst>
             <pc:docMk/>
             <pc:sldMk cId="3792883020" sldId="290"/>
@@ -934,7 +1013,7 @@
         </pc:picChg>
       </pc:sldChg>
       <pc:sldChg chg="addSp delSp modSp add ord">
-        <pc:chgData name="Nosbisch, Brock" userId="7e9a922f-63f0-45a6-8d77-37d3cf5d4573" providerId="ADAL" clId="{37F1B1DA-39BD-4E92-9E24-58DBCD0BC578}" dt="2019-10-16T03:49:53.231" v="639" actId="20577"/>
+        <pc:chgData name="Nosbisch, Brock" userId="7e9a922f-63f0-45a6-8d77-37d3cf5d4573" providerId="ADAL" clId="{37F1B1DA-39BD-4E92-9E24-58DBCD0BC578}" dt="2019-10-17T03:18:15.511" v="1158" actId="1038"/>
         <pc:sldMkLst>
           <pc:docMk/>
           <pc:sldMk cId="4018616022" sldId="291"/>
@@ -948,7 +1027,7 @@
           </ac:spMkLst>
         </pc:spChg>
         <pc:spChg chg="mod">
-          <ac:chgData name="Nosbisch, Brock" userId="7e9a922f-63f0-45a6-8d77-37d3cf5d4573" providerId="ADAL" clId="{37F1B1DA-39BD-4E92-9E24-58DBCD0BC578}" dt="2019-10-16T03:43:52.776" v="514" actId="27636"/>
+          <ac:chgData name="Nosbisch, Brock" userId="7e9a922f-63f0-45a6-8d77-37d3cf5d4573" providerId="ADAL" clId="{37F1B1DA-39BD-4E92-9E24-58DBCD0BC578}" dt="2019-10-17T03:09:53.316" v="1086" actId="20577"/>
           <ac:spMkLst>
             <pc:docMk/>
             <pc:sldMk cId="4018616022" sldId="291"/>
@@ -980,7 +1059,7 @@
           </ac:picMkLst>
         </pc:picChg>
         <pc:picChg chg="add mod">
-          <ac:chgData name="Nosbisch, Brock" userId="7e9a922f-63f0-45a6-8d77-37d3cf5d4573" providerId="ADAL" clId="{37F1B1DA-39BD-4E92-9E24-58DBCD0BC578}" dt="2019-10-16T03:47:15.306" v="568" actId="1037"/>
+          <ac:chgData name="Nosbisch, Brock" userId="7e9a922f-63f0-45a6-8d77-37d3cf5d4573" providerId="ADAL" clId="{37F1B1DA-39BD-4E92-9E24-58DBCD0BC578}" dt="2019-10-17T03:18:15.511" v="1158" actId="1038"/>
           <ac:picMkLst>
             <pc:docMk/>
             <pc:sldMk cId="4018616022" sldId="291"/>
@@ -996,7 +1075,7 @@
           </ac:picMkLst>
         </pc:picChg>
         <pc:picChg chg="add del">
-          <ac:chgData name="Nosbisch, Brock" userId="7e9a922f-63f0-45a6-8d77-37d3cf5d4573" providerId="ADAL" clId="{37F1B1DA-39BD-4E92-9E24-58DBCD0BC578}" dt="2019-10-16T03:44:55.743" v="523"/>
+          <ac:chgData name="Nosbisch, Brock" userId="7e9a922f-63f0-45a6-8d77-37d3cf5d4573" providerId="ADAL" clId="{37F1B1DA-39BD-4E92-9E24-58DBCD0BC578}" dt="2019-10-16T03:44:55.743" v="523" actId="20577"/>
           <ac:picMkLst>
             <pc:docMk/>
             <pc:sldMk cId="4018616022" sldId="291"/>
@@ -1004,7 +1083,7 @@
           </ac:picMkLst>
         </pc:picChg>
         <pc:cxnChg chg="add">
-          <ac:chgData name="Nosbisch, Brock" userId="7e9a922f-63f0-45a6-8d77-37d3cf5d4573" providerId="ADAL" clId="{37F1B1DA-39BD-4E92-9E24-58DBCD0BC578}" dt="2019-10-16T03:45:22.250" v="529"/>
+          <ac:chgData name="Nosbisch, Brock" userId="7e9a922f-63f0-45a6-8d77-37d3cf5d4573" providerId="ADAL" clId="{37F1B1DA-39BD-4E92-9E24-58DBCD0BC578}" dt="2019-10-16T03:45:22.250" v="529" actId="20577"/>
           <ac:cxnSpMkLst>
             <pc:docMk/>
             <pc:sldMk cId="4018616022" sldId="291"/>
@@ -1043,7 +1122,7 @@
           </ac:spMkLst>
         </pc:spChg>
         <pc:spChg chg="del">
-          <ac:chgData name="Nosbisch, Brock" userId="7e9a922f-63f0-45a6-8d77-37d3cf5d4573" providerId="ADAL" clId="{37F1B1DA-39BD-4E92-9E24-58DBCD0BC578}" dt="2019-10-16T03:47:59.597" v="576"/>
+          <ac:chgData name="Nosbisch, Brock" userId="7e9a922f-63f0-45a6-8d77-37d3cf5d4573" providerId="ADAL" clId="{37F1B1DA-39BD-4E92-9E24-58DBCD0BC578}" dt="2019-10-16T03:47:59.597" v="576" actId="2696"/>
           <ac:spMkLst>
             <pc:docMk/>
             <pc:sldMk cId="1356123847" sldId="292"/>
@@ -1051,7 +1130,7 @@
           </ac:spMkLst>
         </pc:spChg>
         <pc:spChg chg="del">
-          <ac:chgData name="Nosbisch, Brock" userId="7e9a922f-63f0-45a6-8d77-37d3cf5d4573" providerId="ADAL" clId="{37F1B1DA-39BD-4E92-9E24-58DBCD0BC578}" dt="2019-10-16T03:47:59.597" v="576"/>
+          <ac:chgData name="Nosbisch, Brock" userId="7e9a922f-63f0-45a6-8d77-37d3cf5d4573" providerId="ADAL" clId="{37F1B1DA-39BD-4E92-9E24-58DBCD0BC578}" dt="2019-10-16T03:47:59.597" v="576" actId="2696"/>
           <ac:spMkLst>
             <pc:docMk/>
             <pc:sldMk cId="1356123847" sldId="292"/>
@@ -1083,7 +1162,7 @@
           </ac:spMkLst>
         </pc:spChg>
         <pc:spChg chg="add del">
-          <ac:chgData name="Nosbisch, Brock" userId="7e9a922f-63f0-45a6-8d77-37d3cf5d4573" providerId="ADAL" clId="{37F1B1DA-39BD-4E92-9E24-58DBCD0BC578}" dt="2019-10-16T03:48:49.565" v="585"/>
+          <ac:chgData name="Nosbisch, Brock" userId="7e9a922f-63f0-45a6-8d77-37d3cf5d4573" providerId="ADAL" clId="{37F1B1DA-39BD-4E92-9E24-58DBCD0BC578}" dt="2019-10-16T03:48:49.565" v="585" actId="2696"/>
           <ac:spMkLst>
             <pc:docMk/>
             <pc:sldMk cId="1356123847" sldId="292"/>
@@ -1091,7 +1170,7 @@
           </ac:spMkLst>
         </pc:spChg>
         <pc:spChg chg="add del">
-          <ac:chgData name="Nosbisch, Brock" userId="7e9a922f-63f0-45a6-8d77-37d3cf5d4573" providerId="ADAL" clId="{37F1B1DA-39BD-4E92-9E24-58DBCD0BC578}" dt="2019-10-16T03:48:49.565" v="585"/>
+          <ac:chgData name="Nosbisch, Brock" userId="7e9a922f-63f0-45a6-8d77-37d3cf5d4573" providerId="ADAL" clId="{37F1B1DA-39BD-4E92-9E24-58DBCD0BC578}" dt="2019-10-16T03:48:49.565" v="585" actId="2696"/>
           <ac:spMkLst>
             <pc:docMk/>
             <pc:sldMk cId="1356123847" sldId="292"/>
@@ -1131,7 +1210,7 @@
           </ac:picMkLst>
         </pc:picChg>
         <pc:picChg chg="add del">
-          <ac:chgData name="Nosbisch, Brock" userId="7e9a922f-63f0-45a6-8d77-37d3cf5d4573" providerId="ADAL" clId="{37F1B1DA-39BD-4E92-9E24-58DBCD0BC578}" dt="2019-10-16T03:48:49.565" v="585"/>
+          <ac:chgData name="Nosbisch, Brock" userId="7e9a922f-63f0-45a6-8d77-37d3cf5d4573" providerId="ADAL" clId="{37F1B1DA-39BD-4E92-9E24-58DBCD0BC578}" dt="2019-10-16T03:48:49.565" v="585" actId="2696"/>
           <ac:picMkLst>
             <pc:docMk/>
             <pc:sldMk cId="1356123847" sldId="292"/>
@@ -1139,7 +1218,7 @@
           </ac:picMkLst>
         </pc:picChg>
         <pc:picChg chg="add del">
-          <ac:chgData name="Nosbisch, Brock" userId="7e9a922f-63f0-45a6-8d77-37d3cf5d4573" providerId="ADAL" clId="{37F1B1DA-39BD-4E92-9E24-58DBCD0BC578}" dt="2019-10-16T03:48:49.565" v="585"/>
+          <ac:chgData name="Nosbisch, Brock" userId="7e9a922f-63f0-45a6-8d77-37d3cf5d4573" providerId="ADAL" clId="{37F1B1DA-39BD-4E92-9E24-58DBCD0BC578}" dt="2019-10-16T03:48:49.565" v="585" actId="2696"/>
           <ac:picMkLst>
             <pc:docMk/>
             <pc:sldMk cId="1356123847" sldId="292"/>
@@ -1147,7 +1226,7 @@
           </ac:picMkLst>
         </pc:picChg>
         <pc:cxnChg chg="add del">
-          <ac:chgData name="Nosbisch, Brock" userId="7e9a922f-63f0-45a6-8d77-37d3cf5d4573" providerId="ADAL" clId="{37F1B1DA-39BD-4E92-9E24-58DBCD0BC578}" dt="2019-10-16T03:48:49.565" v="585"/>
+          <ac:chgData name="Nosbisch, Brock" userId="7e9a922f-63f0-45a6-8d77-37d3cf5d4573" providerId="ADAL" clId="{37F1B1DA-39BD-4E92-9E24-58DBCD0BC578}" dt="2019-10-16T03:48:49.565" v="585" actId="2696"/>
           <ac:cxnSpMkLst>
             <pc:docMk/>
             <pc:sldMk cId="1356123847" sldId="292"/>
@@ -1156,13 +1235,13 @@
         </pc:cxnChg>
       </pc:sldChg>
       <pc:sldChg chg="addSp delSp add del setBg delDesignElem">
-        <pc:chgData name="Nosbisch, Brock" userId="7e9a922f-63f0-45a6-8d77-37d3cf5d4573" providerId="ADAL" clId="{37F1B1DA-39BD-4E92-9E24-58DBCD0BC578}" dt="2019-10-16T03:48:58.024" v="589"/>
+        <pc:chgData name="Nosbisch, Brock" userId="7e9a922f-63f0-45a6-8d77-37d3cf5d4573" providerId="ADAL" clId="{37F1B1DA-39BD-4E92-9E24-58DBCD0BC578}" dt="2019-10-16T03:48:58.024" v="589" actId="20577"/>
         <pc:sldMkLst>
           <pc:docMk/>
           <pc:sldMk cId="1890687170" sldId="292"/>
         </pc:sldMkLst>
         <pc:spChg chg="add del">
-          <ac:chgData name="Nosbisch, Brock" userId="7e9a922f-63f0-45a6-8d77-37d3cf5d4573" providerId="ADAL" clId="{37F1B1DA-39BD-4E92-9E24-58DBCD0BC578}" dt="2019-10-16T03:48:58.024" v="589"/>
+          <ac:chgData name="Nosbisch, Brock" userId="7e9a922f-63f0-45a6-8d77-37d3cf5d4573" providerId="ADAL" clId="{37F1B1DA-39BD-4E92-9E24-58DBCD0BC578}" dt="2019-10-16T03:48:58.024" v="589" actId="20577"/>
           <ac:spMkLst>
             <pc:docMk/>
             <pc:sldMk cId="1890687170" sldId="292"/>
@@ -1170,7 +1249,7 @@
           </ac:spMkLst>
         </pc:spChg>
         <pc:spChg chg="add del">
-          <ac:chgData name="Nosbisch, Brock" userId="7e9a922f-63f0-45a6-8d77-37d3cf5d4573" providerId="ADAL" clId="{37F1B1DA-39BD-4E92-9E24-58DBCD0BC578}" dt="2019-10-16T03:48:58.024" v="589"/>
+          <ac:chgData name="Nosbisch, Brock" userId="7e9a922f-63f0-45a6-8d77-37d3cf5d4573" providerId="ADAL" clId="{37F1B1DA-39BD-4E92-9E24-58DBCD0BC578}" dt="2019-10-16T03:48:58.024" v="589" actId="20577"/>
           <ac:spMkLst>
             <pc:docMk/>
             <pc:sldMk cId="1890687170" sldId="292"/>
@@ -1185,7 +1264,7 @@
           <pc:sldMk cId="2224819642" sldId="292"/>
         </pc:sldMkLst>
         <pc:spChg chg="del">
-          <ac:chgData name="Nosbisch, Brock" userId="7e9a922f-63f0-45a6-8d77-37d3cf5d4573" providerId="ADAL" clId="{37F1B1DA-39BD-4E92-9E24-58DBCD0BC578}" dt="2019-10-16T03:47:46.100" v="573"/>
+          <ac:chgData name="Nosbisch, Brock" userId="7e9a922f-63f0-45a6-8d77-37d3cf5d4573" providerId="ADAL" clId="{37F1B1DA-39BD-4E92-9E24-58DBCD0BC578}" dt="2019-10-16T03:47:46.100" v="573" actId="2696"/>
           <ac:spMkLst>
             <pc:docMk/>
             <pc:sldMk cId="2224819642" sldId="292"/>
@@ -1193,7 +1272,7 @@
           </ac:spMkLst>
         </pc:spChg>
         <pc:spChg chg="del">
-          <ac:chgData name="Nosbisch, Brock" userId="7e9a922f-63f0-45a6-8d77-37d3cf5d4573" providerId="ADAL" clId="{37F1B1DA-39BD-4E92-9E24-58DBCD0BC578}" dt="2019-10-16T03:47:46.100" v="573"/>
+          <ac:chgData name="Nosbisch, Brock" userId="7e9a922f-63f0-45a6-8d77-37d3cf5d4573" providerId="ADAL" clId="{37F1B1DA-39BD-4E92-9E24-58DBCD0BC578}" dt="2019-10-16T03:47:46.100" v="573" actId="2696"/>
           <ac:spMkLst>
             <pc:docMk/>
             <pc:sldMk cId="2224819642" sldId="292"/>
@@ -1209,13 +1288,13 @@
         </pc:sldMkLst>
       </pc:sldChg>
       <pc:sldChg chg="addSp delSp add del setBg delDesignElem">
-        <pc:chgData name="Nosbisch, Brock" userId="7e9a922f-63f0-45a6-8d77-37d3cf5d4573" providerId="ADAL" clId="{37F1B1DA-39BD-4E92-9E24-58DBCD0BC578}" dt="2019-10-16T03:49:01.200" v="592"/>
+        <pc:chgData name="Nosbisch, Brock" userId="7e9a922f-63f0-45a6-8d77-37d3cf5d4573" providerId="ADAL" clId="{37F1B1DA-39BD-4E92-9E24-58DBCD0BC578}" dt="2019-10-16T03:49:01.200" v="592" actId="20577"/>
         <pc:sldMkLst>
           <pc:docMk/>
           <pc:sldMk cId="3056705301" sldId="292"/>
         </pc:sldMkLst>
         <pc:spChg chg="add del">
-          <ac:chgData name="Nosbisch, Brock" userId="7e9a922f-63f0-45a6-8d77-37d3cf5d4573" providerId="ADAL" clId="{37F1B1DA-39BD-4E92-9E24-58DBCD0BC578}" dt="2019-10-16T03:49:01.200" v="592"/>
+          <ac:chgData name="Nosbisch, Brock" userId="7e9a922f-63f0-45a6-8d77-37d3cf5d4573" providerId="ADAL" clId="{37F1B1DA-39BD-4E92-9E24-58DBCD0BC578}" dt="2019-10-16T03:49:01.200" v="592" actId="20577"/>
           <ac:spMkLst>
             <pc:docMk/>
             <pc:sldMk cId="3056705301" sldId="292"/>
@@ -1223,7 +1302,7 @@
           </ac:spMkLst>
         </pc:spChg>
         <pc:spChg chg="add del">
-          <ac:chgData name="Nosbisch, Brock" userId="7e9a922f-63f0-45a6-8d77-37d3cf5d4573" providerId="ADAL" clId="{37F1B1DA-39BD-4E92-9E24-58DBCD0BC578}" dt="2019-10-16T03:49:01.200" v="592"/>
+          <ac:chgData name="Nosbisch, Brock" userId="7e9a922f-63f0-45a6-8d77-37d3cf5d4573" providerId="ADAL" clId="{37F1B1DA-39BD-4E92-9E24-58DBCD0BC578}" dt="2019-10-16T03:49:01.200" v="592" actId="20577"/>
           <ac:spMkLst>
             <pc:docMk/>
             <pc:sldMk cId="3056705301" sldId="292"/>
@@ -1232,7 +1311,7 @@
         </pc:spChg>
       </pc:sldChg>
       <pc:sldChg chg="addSp delSp modSp add">
-        <pc:chgData name="Nosbisch, Brock" userId="7e9a922f-63f0-45a6-8d77-37d3cf5d4573" providerId="ADAL" clId="{37F1B1DA-39BD-4E92-9E24-58DBCD0BC578}" dt="2019-10-16T03:52:39.371" v="682" actId="27636"/>
+        <pc:chgData name="Nosbisch, Brock" userId="7e9a922f-63f0-45a6-8d77-37d3cf5d4573" providerId="ADAL" clId="{37F1B1DA-39BD-4E92-9E24-58DBCD0BC578}" dt="2019-10-17T03:18:41.537" v="1161" actId="1038"/>
         <pc:sldMkLst>
           <pc:docMk/>
           <pc:sldMk cId="2865441727" sldId="293"/>
@@ -1270,7 +1349,7 @@
           </ac:spMkLst>
         </pc:spChg>
         <pc:picChg chg="add mod">
-          <ac:chgData name="Nosbisch, Brock" userId="7e9a922f-63f0-45a6-8d77-37d3cf5d4573" providerId="ADAL" clId="{37F1B1DA-39BD-4E92-9E24-58DBCD0BC578}" dt="2019-10-16T03:51:41.768" v="668" actId="1037"/>
+          <ac:chgData name="Nosbisch, Brock" userId="7e9a922f-63f0-45a6-8d77-37d3cf5d4573" providerId="ADAL" clId="{37F1B1DA-39BD-4E92-9E24-58DBCD0BC578}" dt="2019-10-17T03:18:41.537" v="1161" actId="1038"/>
           <ac:picMkLst>
             <pc:docMk/>
             <pc:sldMk cId="2865441727" sldId="293"/>
@@ -1303,13 +1382,13 @@
         </pc:picChg>
       </pc:sldChg>
       <pc:sldChg chg="addSp delSp modSp add">
-        <pc:chgData name="Nosbisch, Brock" userId="7e9a922f-63f0-45a6-8d77-37d3cf5d4573" providerId="ADAL" clId="{37F1B1DA-39BD-4E92-9E24-58DBCD0BC578}" dt="2019-10-16T03:58:34.355" v="836" actId="20577"/>
+        <pc:chgData name="Nosbisch, Brock" userId="7e9a922f-63f0-45a6-8d77-37d3cf5d4573" providerId="ADAL" clId="{37F1B1DA-39BD-4E92-9E24-58DBCD0BC578}" dt="2019-10-17T03:23:29.319" v="1230" actId="20577"/>
         <pc:sldMkLst>
           <pc:docMk/>
           <pc:sldMk cId="1388128875" sldId="294"/>
         </pc:sldMkLst>
         <pc:spChg chg="mod">
-          <ac:chgData name="Nosbisch, Brock" userId="7e9a922f-63f0-45a6-8d77-37d3cf5d4573" providerId="ADAL" clId="{37F1B1DA-39BD-4E92-9E24-58DBCD0BC578}" dt="2019-10-16T03:53:31.951" v="738" actId="20577"/>
+          <ac:chgData name="Nosbisch, Brock" userId="7e9a922f-63f0-45a6-8d77-37d3cf5d4573" providerId="ADAL" clId="{37F1B1DA-39BD-4E92-9E24-58DBCD0BC578}" dt="2019-10-17T03:20:01.759" v="1182" actId="20577"/>
           <ac:spMkLst>
             <pc:docMk/>
             <pc:sldMk cId="1388128875" sldId="294"/>
@@ -1317,7 +1396,7 @@
           </ac:spMkLst>
         </pc:spChg>
         <pc:spChg chg="mod">
-          <ac:chgData name="Nosbisch, Brock" userId="7e9a922f-63f0-45a6-8d77-37d3cf5d4573" providerId="ADAL" clId="{37F1B1DA-39BD-4E92-9E24-58DBCD0BC578}" dt="2019-10-16T03:56:38.573" v="809" actId="20577"/>
+          <ac:chgData name="Nosbisch, Brock" userId="7e9a922f-63f0-45a6-8d77-37d3cf5d4573" providerId="ADAL" clId="{37F1B1DA-39BD-4E92-9E24-58DBCD0BC578}" dt="2019-10-17T03:21:32.071" v="1211" actId="20577"/>
           <ac:spMkLst>
             <pc:docMk/>
             <pc:sldMk cId="1388128875" sldId="294"/>
@@ -1325,7 +1404,7 @@
           </ac:spMkLst>
         </pc:spChg>
         <pc:spChg chg="mod">
-          <ac:chgData name="Nosbisch, Brock" userId="7e9a922f-63f0-45a6-8d77-37d3cf5d4573" providerId="ADAL" clId="{37F1B1DA-39BD-4E92-9E24-58DBCD0BC578}" dt="2019-10-16T03:55:20.104" v="759" actId="20577"/>
+          <ac:chgData name="Nosbisch, Brock" userId="7e9a922f-63f0-45a6-8d77-37d3cf5d4573" providerId="ADAL" clId="{37F1B1DA-39BD-4E92-9E24-58DBCD0BC578}" dt="2019-10-17T03:22:33.543" v="1223" actId="20577"/>
           <ac:spMkLst>
             <pc:docMk/>
             <pc:sldMk cId="1388128875" sldId="294"/>
@@ -1333,7 +1412,7 @@
           </ac:spMkLst>
         </pc:spChg>
         <pc:spChg chg="mod">
-          <ac:chgData name="Nosbisch, Brock" userId="7e9a922f-63f0-45a6-8d77-37d3cf5d4573" providerId="ADAL" clId="{37F1B1DA-39BD-4E92-9E24-58DBCD0BC578}" dt="2019-10-16T03:58:34.355" v="836" actId="20577"/>
+          <ac:chgData name="Nosbisch, Brock" userId="7e9a922f-63f0-45a6-8d77-37d3cf5d4573" providerId="ADAL" clId="{37F1B1DA-39BD-4E92-9E24-58DBCD0BC578}" dt="2019-10-17T03:23:29.319" v="1230" actId="20577"/>
           <ac:spMkLst>
             <pc:docMk/>
             <pc:sldMk cId="1388128875" sldId="294"/>
@@ -1348,16 +1427,24 @@
             <ac:picMk id="4" creationId="{821CE49E-A683-4C5D-AC23-D0E26AE1AD3F}"/>
           </ac:picMkLst>
         </pc:picChg>
-        <pc:picChg chg="add mod">
-          <ac:chgData name="Nosbisch, Brock" userId="7e9a922f-63f0-45a6-8d77-37d3cf5d4573" providerId="ADAL" clId="{37F1B1DA-39BD-4E92-9E24-58DBCD0BC578}" dt="2019-10-16T03:57:35.236" v="819" actId="1038"/>
+        <pc:picChg chg="add del mod">
+          <ac:chgData name="Nosbisch, Brock" userId="7e9a922f-63f0-45a6-8d77-37d3cf5d4573" providerId="ADAL" clId="{37F1B1DA-39BD-4E92-9E24-58DBCD0BC578}" dt="2019-10-17T03:21:50.874" v="1213" actId="478"/>
+          <ac:picMkLst>
+            <pc:docMk/>
+            <pc:sldMk cId="1388128875" sldId="294"/>
+            <ac:picMk id="4" creationId="{7BB678CF-FAE9-4A1B-ADD7-F8897F009D16}"/>
+          </ac:picMkLst>
+        </pc:picChg>
+        <pc:picChg chg="add del mod">
+          <ac:chgData name="Nosbisch, Brock" userId="7e9a922f-63f0-45a6-8d77-37d3cf5d4573" providerId="ADAL" clId="{37F1B1DA-39BD-4E92-9E24-58DBCD0BC578}" dt="2019-10-17T03:11:42.804" v="1096" actId="478"/>
           <ac:picMkLst>
             <pc:docMk/>
             <pc:sldMk cId="1388128875" sldId="294"/>
             <ac:picMk id="5" creationId="{F8B73A8C-7B0A-47F2-A44E-37D6F4C007BD}"/>
           </ac:picMkLst>
         </pc:picChg>
-        <pc:picChg chg="add mod">
-          <ac:chgData name="Nosbisch, Brock" userId="7e9a922f-63f0-45a6-8d77-37d3cf5d4573" providerId="ADAL" clId="{37F1B1DA-39BD-4E92-9E24-58DBCD0BC578}" dt="2019-10-16T03:57:30.438" v="818" actId="14100"/>
+        <pc:picChg chg="add del mod">
+          <ac:chgData name="Nosbisch, Brock" userId="7e9a922f-63f0-45a6-8d77-37d3cf5d4573" providerId="ADAL" clId="{37F1B1DA-39BD-4E92-9E24-58DBCD0BC578}" dt="2019-10-17T03:23:05.554" v="1224" actId="478"/>
           <ac:picMkLst>
             <pc:docMk/>
             <pc:sldMk cId="1388128875" sldId="294"/>
@@ -1370,6 +1457,22 @@
             <pc:docMk/>
             <pc:sldMk cId="1388128875" sldId="294"/>
             <ac:picMk id="7" creationId="{F34471E3-3D1E-4461-8CD9-1B6E4287649F}"/>
+          </ac:picMkLst>
+        </pc:picChg>
+        <pc:picChg chg="add mod">
+          <ac:chgData name="Nosbisch, Brock" userId="7e9a922f-63f0-45a6-8d77-37d3cf5d4573" providerId="ADAL" clId="{37F1B1DA-39BD-4E92-9E24-58DBCD0BC578}" dt="2019-10-17T03:22:04.103" v="1216" actId="1038"/>
+          <ac:picMkLst>
+            <pc:docMk/>
+            <pc:sldMk cId="1388128875" sldId="294"/>
+            <ac:picMk id="7" creationId="{417B2C86-1E32-4B69-8ED9-19B1E2B65EA8}"/>
+          </ac:picMkLst>
+        </pc:picChg>
+        <pc:picChg chg="add mod">
+          <ac:chgData name="Nosbisch, Brock" userId="7e9a922f-63f0-45a6-8d77-37d3cf5d4573" providerId="ADAL" clId="{37F1B1DA-39BD-4E92-9E24-58DBCD0BC578}" dt="2019-10-17T03:23:18.468" v="1228" actId="14100"/>
+          <ac:picMkLst>
+            <pc:docMk/>
+            <pc:sldMk cId="1388128875" sldId="294"/>
+            <ac:picMk id="8" creationId="{02D69217-45A1-4118-83E6-3E1F87669DF8}"/>
           </ac:picMkLst>
         </pc:picChg>
       </pc:sldChg>
@@ -2371,7 +2474,7 @@
             <a:fld id="{B61BEF0D-F0BB-DE4B-95CE-6DB70DBA9567}" type="datetimeFigureOut">
               <a:rPr lang="en-US" dirty="0"/>
               <a:pPr/>
-              <a:t>10/15/2019</a:t>
+              <a:t>10/16/2019</a:t>
             </a:fld>
             <a:endParaRPr lang="en-US" dirty="0"/>
           </a:p>
@@ -2630,7 +2733,7 @@
             <a:fld id="{B61BEF0D-F0BB-DE4B-95CE-6DB70DBA9567}" type="datetimeFigureOut">
               <a:rPr lang="en-US" dirty="0"/>
               <a:pPr/>
-              <a:t>10/15/2019</a:t>
+              <a:t>10/16/2019</a:t>
             </a:fld>
             <a:endParaRPr lang="en-US" dirty="0"/>
           </a:p>
@@ -2862,7 +2965,7 @@
             <a:fld id="{B61BEF0D-F0BB-DE4B-95CE-6DB70DBA9567}" type="datetimeFigureOut">
               <a:rPr lang="en-US" dirty="0"/>
               <a:pPr/>
-              <a:t>10/15/2019</a:t>
+              <a:t>10/16/2019</a:t>
             </a:fld>
             <a:endParaRPr lang="en-US" dirty="0"/>
           </a:p>
@@ -3099,7 +3202,7 @@
             <a:fld id="{B61BEF0D-F0BB-DE4B-95CE-6DB70DBA9567}" type="datetimeFigureOut">
               <a:rPr lang="en-US" dirty="0"/>
               <a:pPr/>
-              <a:t>10/15/2019</a:t>
+              <a:t>10/16/2019</a:t>
             </a:fld>
             <a:endParaRPr lang="en-US" dirty="0"/>
           </a:p>
@@ -3403,7 +3506,7 @@
             <a:fld id="{B61BEF0D-F0BB-DE4B-95CE-6DB70DBA9567}" type="datetimeFigureOut">
               <a:rPr lang="en-US" dirty="0"/>
               <a:pPr/>
-              <a:t>10/15/2019</a:t>
+              <a:t>10/16/2019</a:t>
             </a:fld>
             <a:endParaRPr lang="en-US" dirty="0"/>
           </a:p>
@@ -3702,7 +3805,7 @@
             <a:fld id="{B61BEF0D-F0BB-DE4B-95CE-6DB70DBA9567}" type="datetimeFigureOut">
               <a:rPr lang="en-US" dirty="0"/>
               <a:pPr/>
-              <a:t>10/15/2019</a:t>
+              <a:t>10/16/2019</a:t>
             </a:fld>
             <a:endParaRPr lang="en-US" dirty="0"/>
           </a:p>
@@ -4121,7 +4224,7 @@
             <a:fld id="{B61BEF0D-F0BB-DE4B-95CE-6DB70DBA9567}" type="datetimeFigureOut">
               <a:rPr lang="en-US" dirty="0"/>
               <a:pPr/>
-              <a:t>10/15/2019</a:t>
+              <a:t>10/16/2019</a:t>
             </a:fld>
             <a:endParaRPr lang="en-US" dirty="0"/>
           </a:p>
@@ -4280,7 +4383,7 @@
             <a:fld id="{B61BEF0D-F0BB-DE4B-95CE-6DB70DBA9567}" type="datetimeFigureOut">
               <a:rPr lang="en-US" dirty="0"/>
               <a:pPr/>
-              <a:t>10/15/2019</a:t>
+              <a:t>10/16/2019</a:t>
             </a:fld>
             <a:endParaRPr lang="en-US" dirty="0"/>
           </a:p>
@@ -4372,7 +4475,7 @@
             <a:fld id="{B61BEF0D-F0BB-DE4B-95CE-6DB70DBA9567}" type="datetimeFigureOut">
               <a:rPr lang="en-US" dirty="0"/>
               <a:pPr/>
-              <a:t>10/15/2019</a:t>
+              <a:t>10/16/2019</a:t>
             </a:fld>
             <a:endParaRPr lang="en-US" dirty="0"/>
           </a:p>
@@ -4747,7 +4850,7 @@
             <a:fld id="{B61BEF0D-F0BB-DE4B-95CE-6DB70DBA9567}" type="datetimeFigureOut">
               <a:rPr lang="en-US" dirty="0"/>
               <a:pPr/>
-              <a:t>10/15/2019</a:t>
+              <a:t>10/16/2019</a:t>
             </a:fld>
             <a:endParaRPr lang="en-US" dirty="0"/>
           </a:p>
@@ -5033,7 +5136,7 @@
             <a:fld id="{B61BEF0D-F0BB-DE4B-95CE-6DB70DBA9567}" type="datetimeFigureOut">
               <a:rPr lang="en-US" dirty="0"/>
               <a:pPr/>
-              <a:t>10/15/2019</a:t>
+              <a:t>10/16/2019</a:t>
             </a:fld>
             <a:endParaRPr lang="en-US" dirty="0"/>
           </a:p>
@@ -5241,7 +5344,7 @@
             <a:fld id="{B61BEF0D-F0BB-DE4B-95CE-6DB70DBA9567}" type="datetimeFigureOut">
               <a:rPr lang="en-US" dirty="0"/>
               <a:pPr/>
-              <a:t>10/15/2019</a:t>
+              <a:t>10/16/2019</a:t>
             </a:fld>
             <a:endParaRPr lang="en-US" dirty="0"/>
           </a:p>
@@ -5897,13 +6000,8 @@
           <a:p>
             <a:r>
               <a:rPr lang="en-US" dirty="0"/>
-              <a:t>By: brock </a:t>
-            </a:r>
-            <a:r>
-              <a:rPr lang="en-US" dirty="0" err="1"/>
-              <a:t>nosbisch</a:t>
-            </a:r>
-            <a:endParaRPr lang="en-US" dirty="0"/>
+              <a:t>By: brock nosbisch</a:t>
+            </a:r>
           </a:p>
         </p:txBody>
       </p:sp>
@@ -6876,32 +6974,96 @@
       </p:sp>
       <p:pic>
         <p:nvPicPr>
-          <p:cNvPr id="3" name="Picture 2">
+          <p:cNvPr id="1026" name="Picture 2" descr="https://lh5.googleusercontent.com/xMJdrif-o0Bf2k5NzqW8K9xERBEwIiWoc-Es5w3Kf5kl6Rmmd-s8IbC9AJr-5hmgzZTdpmvhtyjyWH46rVTo2OjxALjxNiKjdL5pqyjQqj15U4OLSjewYX4UcyeO5ZfuEXYjmX2d">
             <a:extLst>
               <a:ext uri="{FF2B5EF4-FFF2-40B4-BE49-F238E27FC236}">
-                <a16:creationId xmlns:a16="http://schemas.microsoft.com/office/drawing/2014/main" id="{1B434C33-8E18-4435-A373-D6AFF84CF9AD}"/>
+                <a16:creationId xmlns:a16="http://schemas.microsoft.com/office/drawing/2014/main" id="{B637553A-C717-43F2-85F5-6AADE603F5AB}"/>
               </a:ext>
             </a:extLst>
           </p:cNvPr>
           <p:cNvPicPr>
-            <a:picLocks noChangeAspect="1"/>
+            <a:picLocks noChangeAspect="1" noChangeArrowheads="1"/>
           </p:cNvPicPr>
           <p:nvPr/>
         </p:nvPicPr>
         <p:blipFill>
-          <a:blip r:embed="rId2"/>
+          <a:blip r:embed="rId2">
+            <a:extLst>
+              <a:ext uri="{28A0092B-C50C-407E-A947-70E740481C1C}">
+                <a14:useLocalDpi xmlns:a14="http://schemas.microsoft.com/office/drawing/2010/main" val="0"/>
+              </a:ext>
+            </a:extLst>
+          </a:blip>
+          <a:srcRect/>
           <a:stretch>
             <a:fillRect/>
           </a:stretch>
         </p:blipFill>
-        <p:spPr>
+        <p:spPr bwMode="auto">
           <a:xfrm>
-            <a:off x="905957" y="2012569"/>
-            <a:ext cx="10344015" cy="4576764"/>
+            <a:off x="470944" y="2110092"/>
+            <a:ext cx="5101181" cy="4465940"/>
           </a:xfrm>
           <a:prstGeom prst="rect">
             <a:avLst/>
           </a:prstGeom>
+          <a:noFill/>
+          <a:extLst>
+            <a:ext uri="{909E8E84-426E-40DD-AFC4-6F175D3DCCD1}">
+              <a14:hiddenFill xmlns:a14="http://schemas.microsoft.com/office/drawing/2010/main">
+                <a:solidFill>
+                  <a:srgbClr val="FFFFFF"/>
+                </a:solidFill>
+              </a14:hiddenFill>
+            </a:ext>
+          </a:extLst>
+        </p:spPr>
+      </p:pic>
+      <p:pic>
+        <p:nvPicPr>
+          <p:cNvPr id="1028" name="Picture 4" descr="https://lh4.googleusercontent.com/m7BnCof6AWMc6fkxzaVjkP_zxYA2lNOLIM0pfvHBmBA7gBskPzEO8B2j4M7BuN9cjeveNM91PSk81qhubgb2m1YdQ9r1qEwzTp4qpPRptNmPcYhJekJhg2AbVUxzKSUFw8-ywG1A">
+            <a:extLst>
+              <a:ext uri="{FF2B5EF4-FFF2-40B4-BE49-F238E27FC236}">
+                <a16:creationId xmlns:a16="http://schemas.microsoft.com/office/drawing/2014/main" id="{3FF85911-6E1E-4ABC-9BD0-B930DB52E3CE}"/>
+              </a:ext>
+            </a:extLst>
+          </p:cNvPr>
+          <p:cNvPicPr>
+            <a:picLocks noChangeAspect="1" noChangeArrowheads="1"/>
+          </p:cNvPicPr>
+          <p:nvPr/>
+        </p:nvPicPr>
+        <p:blipFill>
+          <a:blip r:embed="rId3">
+            <a:extLst>
+              <a:ext uri="{28A0092B-C50C-407E-A947-70E740481C1C}">
+                <a14:useLocalDpi xmlns:a14="http://schemas.microsoft.com/office/drawing/2010/main" val="0"/>
+              </a:ext>
+            </a:extLst>
+          </a:blip>
+          <a:srcRect/>
+          <a:stretch>
+            <a:fillRect/>
+          </a:stretch>
+        </p:blipFill>
+        <p:spPr bwMode="auto">
+          <a:xfrm>
+            <a:off x="6096000" y="2110092"/>
+            <a:ext cx="5101180" cy="4429972"/>
+          </a:xfrm>
+          <a:prstGeom prst="rect">
+            <a:avLst/>
+          </a:prstGeom>
+          <a:noFill/>
+          <a:extLst>
+            <a:ext uri="{909E8E84-426E-40DD-AFC4-6F175D3DCCD1}">
+              <a14:hiddenFill xmlns:a14="http://schemas.microsoft.com/office/drawing/2010/main">
+                <a:solidFill>
+                  <a:srgbClr val="FFFFFF"/>
+                </a:solidFill>
+              </a14:hiddenFill>
+            </a:ext>
+          </a:extLst>
         </p:spPr>
       </p:pic>
     </p:spTree>
@@ -8313,10 +8475,10 @@
       </p:sp>
       <p:pic>
         <p:nvPicPr>
-          <p:cNvPr id="4" name="Picture 3">
+          <p:cNvPr id="5" name="Picture 4">
             <a:extLst>
               <a:ext uri="{FF2B5EF4-FFF2-40B4-BE49-F238E27FC236}">
-                <a16:creationId xmlns:a16="http://schemas.microsoft.com/office/drawing/2014/main" id="{851A92BA-41FC-4A2F-8F90-8935C19FC4F2}"/>
+                <a16:creationId xmlns:a16="http://schemas.microsoft.com/office/drawing/2014/main" id="{9D1E0A2D-DB23-4416-9A14-89CFC981C4ED}"/>
               </a:ext>
             </a:extLst>
           </p:cNvPr>
@@ -8333,8 +8495,8 @@
         </p:blipFill>
         <p:spPr>
           <a:xfrm>
-            <a:off x="4617842" y="1483392"/>
-            <a:ext cx="6972903" cy="4203033"/>
+            <a:off x="4468101" y="1214739"/>
+            <a:ext cx="7346989" cy="4428521"/>
           </a:xfrm>
           <a:prstGeom prst="rect">
             <a:avLst/>
@@ -8578,7 +8740,7 @@
                   <a:schemeClr val="bg1"/>
                 </a:solidFill>
               </a:rPr>
-              <a:t>Predicted 786 Stops out of 1,403 (56%)</a:t>
+              <a:t>Predicted 784 Stops out of 1,403 (56%)</a:t>
             </a:r>
           </a:p>
           <a:p>
@@ -8589,7 +8751,7 @@
                   <a:schemeClr val="bg1"/>
                 </a:solidFill>
               </a:rPr>
-              <a:t>Out of the 13,992 predicted stops, only 786 were actual stops (6%)</a:t>
+              <a:t>Out of the 13,960 predicted stops, only 784 were actual stops (6%)</a:t>
             </a:r>
           </a:p>
           <a:p>
@@ -8599,7 +8761,7 @@
                   <a:schemeClr val="bg1"/>
                 </a:solidFill>
               </a:rPr>
-              <a:t>Total Savings: -53,460</a:t>
+              <a:t>Total Savings: -53,360</a:t>
             </a:r>
             <a:endParaRPr lang="en-US" dirty="0">
               <a:solidFill>
@@ -8609,36 +8771,6 @@
           </a:p>
         </p:txBody>
       </p:sp>
-      <p:pic>
-        <p:nvPicPr>
-          <p:cNvPr id="6" name="Picture 5">
-            <a:extLst>
-              <a:ext uri="{FF2B5EF4-FFF2-40B4-BE49-F238E27FC236}">
-                <a16:creationId xmlns:a16="http://schemas.microsoft.com/office/drawing/2014/main" id="{53ECF26A-AD16-48B9-9C4A-90DB34E979F4}"/>
-              </a:ext>
-            </a:extLst>
-          </p:cNvPr>
-          <p:cNvPicPr>
-            <a:picLocks noChangeAspect="1"/>
-          </p:cNvPicPr>
-          <p:nvPr/>
-        </p:nvPicPr>
-        <p:blipFill>
-          <a:blip r:embed="rId2"/>
-          <a:stretch>
-            <a:fillRect/>
-          </a:stretch>
-        </p:blipFill>
-        <p:spPr>
-          <a:xfrm>
-            <a:off x="4347642" y="694280"/>
-            <a:ext cx="3231412" cy="2539776"/>
-          </a:xfrm>
-          <a:prstGeom prst="rect">
-            <a:avLst/>
-          </a:prstGeom>
-        </p:spPr>
-      </p:pic>
       <p:pic>
         <p:nvPicPr>
           <p:cNvPr id="8" name="Picture 7">
@@ -8654,7 +8786,7 @@
           <p:nvPr/>
         </p:nvPicPr>
         <p:blipFill>
-          <a:blip r:embed="rId3"/>
+          <a:blip r:embed="rId2"/>
           <a:stretch>
             <a:fillRect/>
           </a:stretch>
@@ -9152,7 +9284,7 @@
                   <a:schemeClr val="tx1"/>
                 </a:solidFill>
               </a:rPr>
-              <a:t>Accuracy: 90% (122,657 out of 136,480)</a:t>
+              <a:t>Accuracy: 90% (122,685 out of 136,480)</a:t>
             </a:r>
           </a:p>
           <a:p>
@@ -9322,6 +9454,36 @@
           </a:fontRef>
         </p:style>
       </p:cxnSp>
+      <p:pic>
+        <p:nvPicPr>
+          <p:cNvPr id="4" name="Picture 3">
+            <a:extLst>
+              <a:ext uri="{FF2B5EF4-FFF2-40B4-BE49-F238E27FC236}">
+                <a16:creationId xmlns:a16="http://schemas.microsoft.com/office/drawing/2014/main" id="{BDDDA38E-AD28-4282-A284-3E8A26DFF56B}"/>
+              </a:ext>
+            </a:extLst>
+          </p:cNvPr>
+          <p:cNvPicPr>
+            <a:picLocks noChangeAspect="1"/>
+          </p:cNvPicPr>
+          <p:nvPr/>
+        </p:nvPicPr>
+        <p:blipFill>
+          <a:blip r:embed="rId3"/>
+          <a:stretch>
+            <a:fillRect/>
+          </a:stretch>
+        </p:blipFill>
+        <p:spPr>
+          <a:xfrm>
+            <a:off x="4370963" y="741066"/>
+            <a:ext cx="3272348" cy="2513245"/>
+          </a:xfrm>
+          <a:prstGeom prst="rect">
+            <a:avLst/>
+          </a:prstGeom>
+        </p:spPr>
+      </p:pic>
     </p:spTree>
     <p:extLst>
       <p:ext uri="{BB962C8B-B14F-4D97-AF65-F5344CB8AC3E}">
@@ -9677,7 +9839,7 @@
                   <a:schemeClr val="bg1"/>
                 </a:solidFill>
               </a:rPr>
-              <a:t>Out of the 40,756 predicted stops, only 1043 were actual stops (3%)</a:t>
+              <a:t>Out of the 40,756 predicted stops, only 1,044 were actual stops (3%)</a:t>
             </a:r>
           </a:p>
           <a:p>
@@ -9719,8 +9881,8 @@
         </p:blipFill>
         <p:spPr>
           <a:xfrm>
-            <a:off x="4332053" y="714946"/>
-            <a:ext cx="3272348" cy="2584026"/>
+            <a:off x="4351508" y="714946"/>
+            <a:ext cx="3330713" cy="2630114"/>
           </a:xfrm>
           <a:prstGeom prst="rect">
             <a:avLst/>
@@ -11227,7 +11389,7 @@
         </p:blipFill>
         <p:spPr>
           <a:xfrm>
-            <a:off x="4351508" y="706642"/>
+            <a:off x="4370963" y="706642"/>
             <a:ext cx="3272348" cy="2551516"/>
           </a:xfrm>
           <a:prstGeom prst="rect">
@@ -11454,7 +11616,7 @@
             </a:br>
             <a:r>
               <a:rPr lang="en-US" sz="2200" dirty="0"/>
-              <a:t>(Random forest w/ max 5 features)</a:t>
+              <a:t>(Random forest w/ max 5 features, max depth of 22)</a:t>
             </a:r>
           </a:p>
         </p:txBody>
@@ -11493,7 +11655,7 @@
                   <a:schemeClr val="bg1"/>
                 </a:solidFill>
               </a:rPr>
-              <a:t>The confusion matrix is showing pretty good numbers but looking at the total savings from the custom scorer shows that the company would save over 23,000 dollars using this algorithm.</a:t>
+              <a:t>The confusion matrix is showing pretty good numbers but looking at the total savings from the custom scorer shows that the company would save over 25,000 dollars using this algorithm.</a:t>
             </a:r>
           </a:p>
           <a:p>
@@ -11504,7 +11666,7 @@
                   <a:schemeClr val="bg1"/>
                 </a:solidFill>
               </a:rPr>
-              <a:t>Predicted 376 Stops out of 1,403 (27%)</a:t>
+              <a:t>Predicted 450 Stops out of 1,403 (32%)</a:t>
             </a:r>
           </a:p>
           <a:p>
@@ -11515,7 +11677,7 @@
                   <a:schemeClr val="bg1"/>
                 </a:solidFill>
               </a:rPr>
-              <a:t>Out of the 1,776 predicted stops, only 376 were actual stops (21%)</a:t>
+              <a:t>Out of the 2,438 predicted stops, 450 were actual stops (18%)</a:t>
             </a:r>
           </a:p>
           <a:p>
@@ -11525,7 +11687,7 @@
                   <a:schemeClr val="bg1"/>
                 </a:solidFill>
               </a:rPr>
-              <a:t>Total Savings: 23,600</a:t>
+              <a:t>Total Savings: 25,120</a:t>
             </a:r>
             <a:endParaRPr lang="en-US" dirty="0">
               <a:solidFill>
@@ -11776,7 +11938,7 @@
             <a:pPr lvl="1"/>
             <a:r>
               <a:rPr lang="en-US" dirty="0"/>
-              <a:t>Accuracy: 95% (134,053 out of 136,480)</a:t>
+              <a:t>Accuracy: 98% (133,539 out of 136,480)</a:t>
             </a:r>
           </a:p>
           <a:p>
@@ -12083,7 +12245,7 @@
             </a:pPr>
             <a:r>
               <a:rPr lang="en-US" dirty="0"/>
-              <a:t>These are the best predictions seen. 4 or less payments are overpredicted to stop but not by much. The biggest % overprediction is 0 payments and that is about 10% overpredicted.</a:t>
+              <a:t>These are the best predictions seen. 4 or less payments are overpredicted to stop but not by much. The biggest % overprediction is 0 payments and that is about 15% overpredicted.</a:t>
             </a:r>
           </a:p>
         </p:txBody>
@@ -12126,10 +12288,10 @@
       </p:cxnSp>
       <p:pic>
         <p:nvPicPr>
-          <p:cNvPr id="5" name="Picture 4">
+          <p:cNvPr id="7" name="Picture 6">
             <a:extLst>
               <a:ext uri="{FF2B5EF4-FFF2-40B4-BE49-F238E27FC236}">
-                <a16:creationId xmlns:a16="http://schemas.microsoft.com/office/drawing/2014/main" id="{F8B73A8C-7B0A-47F2-A44E-37D6F4C007BD}"/>
+                <a16:creationId xmlns:a16="http://schemas.microsoft.com/office/drawing/2014/main" id="{417B2C86-1E32-4B69-8ED9-19B1E2B65EA8}"/>
               </a:ext>
             </a:extLst>
           </p:cNvPr>
@@ -12146,8 +12308,8 @@
         </p:blipFill>
         <p:spPr>
           <a:xfrm>
-            <a:off x="4328187" y="700957"/>
-            <a:ext cx="3201021" cy="2563082"/>
+            <a:off x="4310345" y="702156"/>
+            <a:ext cx="3287008" cy="2532443"/>
           </a:xfrm>
           <a:prstGeom prst="rect">
             <a:avLst/>
@@ -12156,10 +12318,10 @@
       </p:pic>
       <p:pic>
         <p:nvPicPr>
-          <p:cNvPr id="6" name="Picture 5">
+          <p:cNvPr id="8" name="Picture 7">
             <a:extLst>
               <a:ext uri="{FF2B5EF4-FFF2-40B4-BE49-F238E27FC236}">
-                <a16:creationId xmlns:a16="http://schemas.microsoft.com/office/drawing/2014/main" id="{7EC85D68-CF62-4087-9140-8226E135333A}"/>
+                <a16:creationId xmlns:a16="http://schemas.microsoft.com/office/drawing/2014/main" id="{02D69217-45A1-4118-83E6-3E1F87669DF8}"/>
               </a:ext>
             </a:extLst>
           </p:cNvPr>
@@ -12176,8 +12338,8 @@
         </p:blipFill>
         <p:spPr>
           <a:xfrm>
-            <a:off x="4290890" y="3605985"/>
-            <a:ext cx="4255867" cy="2933969"/>
+            <a:off x="4308732" y="3605988"/>
+            <a:ext cx="4298263" cy="2960056"/>
           </a:xfrm>
           <a:prstGeom prst="rect">
             <a:avLst/>
@@ -12279,7 +12441,7 @@
           <a:p>
             <a:r>
               <a:rPr lang="en-US" dirty="0"/>
-              <a:t>Since the Random Forest algorithm was the best performing, I chose the "Random Forest (Balanced Weight Class, Max Features = 5)" algorithm to dig into the details and see the individual probabilities.</a:t>
+              <a:t>Since the Random Forest algorithm was the best performing, I chose the "Random Forest (Balanced, Max Features = 5, Max Depth = 22)" algorithm to dig into the details and see the individual probabilities.</a:t>
             </a:r>
           </a:p>
           <a:p>
@@ -12306,57 +12468,40 @@
       </p:sp>
       <p:pic>
         <p:nvPicPr>
-          <p:cNvPr id="2052" name="Picture 4" descr="https://lh6.googleusercontent.com/aV37FjJRAkS_txrV__KjUBlZZ03J-8MZfUZgquRJATsc6KEDq6b6fxLulxdP5ZV7LoN0CQViDyU6HocikuPGJ2hxNXu3SIf5h5lyTklVpWHmB30KoiMJQki2OY_WTmh5fFAAVRON">
+          <p:cNvPr id="4" name="Picture 3">
             <a:extLst>
               <a:ext uri="{FF2B5EF4-FFF2-40B4-BE49-F238E27FC236}">
-                <a16:creationId xmlns:a16="http://schemas.microsoft.com/office/drawing/2014/main" id="{CCC19CDE-341A-4C60-A428-BD8106E69BC6}"/>
+                <a16:creationId xmlns:a16="http://schemas.microsoft.com/office/drawing/2014/main" id="{559B1573-2EED-4E5C-9323-2122A7D9781A}"/>
               </a:ext>
             </a:extLst>
           </p:cNvPr>
           <p:cNvPicPr>
-            <a:picLocks noChangeAspect="1" noChangeArrowheads="1"/>
+            <a:picLocks noChangeAspect="1"/>
           </p:cNvPicPr>
           <p:nvPr/>
         </p:nvPicPr>
         <p:blipFill>
-          <a:blip r:embed="rId2">
-            <a:extLst>
-              <a:ext uri="{28A0092B-C50C-407E-A947-70E740481C1C}">
-                <a14:useLocalDpi xmlns:a14="http://schemas.microsoft.com/office/drawing/2010/main" val="0"/>
-              </a:ext>
-            </a:extLst>
-          </a:blip>
-          <a:srcRect/>
+          <a:blip r:embed="rId2"/>
           <a:stretch>
             <a:fillRect/>
           </a:stretch>
         </p:blipFill>
-        <p:spPr bwMode="auto">
+        <p:spPr>
           <a:xfrm>
-            <a:off x="7680195" y="4590015"/>
-            <a:ext cx="4430788" cy="2023677"/>
+            <a:off x="7854334" y="1970220"/>
+            <a:ext cx="4122440" cy="2619795"/>
           </a:xfrm>
           <a:prstGeom prst="rect">
             <a:avLst/>
           </a:prstGeom>
-          <a:noFill/>
-          <a:extLst>
-            <a:ext uri="{909E8E84-426E-40DD-AFC4-6F175D3DCCD1}">
-              <a14:hiddenFill xmlns:a14="http://schemas.microsoft.com/office/drawing/2010/main">
-                <a:solidFill>
-                  <a:srgbClr val="FFFFFF"/>
-                </a:solidFill>
-              </a14:hiddenFill>
-            </a:ext>
-          </a:extLst>
         </p:spPr>
       </p:pic>
       <p:pic>
         <p:nvPicPr>
-          <p:cNvPr id="5" name="Picture 4">
+          <p:cNvPr id="6" name="Picture 5">
             <a:extLst>
               <a:ext uri="{FF2B5EF4-FFF2-40B4-BE49-F238E27FC236}">
-                <a16:creationId xmlns:a16="http://schemas.microsoft.com/office/drawing/2014/main" id="{852165C8-88B2-44A8-B547-4F93A18C83E8}"/>
+                <a16:creationId xmlns:a16="http://schemas.microsoft.com/office/drawing/2014/main" id="{CA7DCEC5-EC82-4D30-83EA-7CA6B4590766}"/>
               </a:ext>
             </a:extLst>
           </p:cNvPr>
@@ -12373,8 +12518,8 @@
         </p:blipFill>
         <p:spPr>
           <a:xfrm>
-            <a:off x="7973122" y="1979383"/>
-            <a:ext cx="3844934" cy="2458715"/>
+            <a:off x="7854334" y="4844279"/>
+            <a:ext cx="4122440" cy="1869397"/>
           </a:xfrm>
           <a:prstGeom prst="rect">
             <a:avLst/>
@@ -12464,13 +12609,13 @@
         </p:nvSpPr>
         <p:spPr>
           <a:xfrm>
-            <a:off x="581192" y="2180496"/>
-            <a:ext cx="11029616" cy="4448903"/>
+            <a:off x="581192" y="2076857"/>
+            <a:ext cx="11029616" cy="5024335"/>
           </a:xfrm>
         </p:spPr>
         <p:txBody>
           <a:bodyPr>
-            <a:normAutofit/>
+            <a:normAutofit lnSpcReduction="10000"/>
           </a:bodyPr>
           <a:lstStyle/>
           <a:p>
@@ -12517,7 +12662,15 @@
             <a:pPr lvl="1" fontAlgn="base"/>
             <a:r>
               <a:rPr lang="en-US" sz="1800" dirty="0"/>
-              <a:t>The amount of data was resampled so that less customers would be analyzed.  This was done to reduce training time. </a:t>
+              <a:t>The amount of data was resampled so that less customers would be analyzed.  This was done to reduce training time. If I was doing this for the real thing and it was going to inform decisions then I would take the time to train on all Active SAs and still </a:t>
+            </a:r>
+            <a:r>
+              <a:rPr lang="en-US" sz="1800" dirty="0" err="1"/>
+              <a:t>upsample</a:t>
+            </a:r>
+            <a:r>
+              <a:rPr lang="en-US" sz="1800" dirty="0"/>
+              <a:t> the Stops.  I would use a server to make the training run in a reasonable amount of time. </a:t>
             </a:r>
           </a:p>
           <a:p>
@@ -12525,6 +12678,13 @@
             <a:r>
               <a:rPr lang="en-US" sz="1800" dirty="0"/>
               <a:t>Most of the data manipulation was done in SQL against a Data Warehouse database.  It would be ideal to be able to dynamically generate the SQL so that any date(s) can be used.</a:t>
+            </a:r>
+          </a:p>
+          <a:p>
+            <a:pPr lvl="1" fontAlgn="base"/>
+            <a:r>
+              <a:rPr lang="en-US" sz="1800" dirty="0"/>
+              <a:t>The effect of weather should be explored more.  Then I can pick up relationships more on that margin.  The current models are only using the average temperature on the day the customer started service.</a:t>
             </a:r>
           </a:p>
           <a:p>
@@ -14327,6 +14487,15 @@
 </file>
 
 <file path=customXml/item1.xml><?xml version="1.0" encoding="utf-8"?>
+<?mso-contentType ?>
+<FormTemplates xmlns="http://schemas.microsoft.com/sharepoint/v3/contenttype/forms">
+  <Display>DocumentLibraryForm</Display>
+  <Edit>DocumentLibraryForm</Edit>
+  <New>DocumentLibraryForm</New>
+</FormTemplates>
+</file>
+
+<file path=customXml/item2.xml><?xml version="1.0" encoding="utf-8"?>
 <ct:contentTypeSchema xmlns:ct="http://schemas.microsoft.com/office/2006/metadata/contentType" xmlns:ma="http://schemas.microsoft.com/office/2006/metadata/properties/metaAttributes" ct:_="" ma:_="" ma:contentTypeName="Document" ma:contentTypeID="0x01010093ED94F1AA0BF14B9CDCAC24A8C2BD64" ma:contentTypeVersion="10" ma:contentTypeDescription="Create a new document." ma:contentTypeScope="" ma:versionID="8e67d8605ac7a45e46a014c15ad13f95">
   <xsd:schema xmlns:xsd="http://www.w3.org/2001/XMLSchema" xmlns:xs="http://www.w3.org/2001/XMLSchema" xmlns:p="http://schemas.microsoft.com/office/2006/metadata/properties" xmlns:ns3="ec66867a-10f6-473c-ae3a-98ae3888c21d" targetNamespace="http://schemas.microsoft.com/office/2006/metadata/properties" ma:root="true" ma:fieldsID="69b1f0b069b680b51a8577324aca6898" ns3:_="">
     <xsd:import namespace="ec66867a-10f6-473c-ae3a-98ae3888c21d"/>
@@ -14510,15 +14679,6 @@
 </ct:contentTypeSchema>
 </file>
 
-<file path=customXml/item2.xml><?xml version="1.0" encoding="utf-8"?>
-<?mso-contentType ?>
-<FormTemplates xmlns="http://schemas.microsoft.com/sharepoint/v3/contenttype/forms">
-  <Display>DocumentLibraryForm</Display>
-  <Edit>DocumentLibraryForm</Edit>
-  <New>DocumentLibraryForm</New>
-</FormTemplates>
-</file>
-
 <file path=customXml/item3.xml><?xml version="1.0" encoding="utf-8"?>
 <p:properties xmlns:p="http://schemas.microsoft.com/office/2006/metadata/properties" xmlns:xsi="http://www.w3.org/2001/XMLSchema-instance" xmlns:pc="http://schemas.microsoft.com/office/infopath/2007/PartnerControls">
   <documentManagement/>
@@ -14526,6 +14686,14 @@
 </file>
 
 <file path=customXml/itemProps1.xml><?xml version="1.0" encoding="utf-8"?>
+<ds:datastoreItem xmlns:ds="http://schemas.openxmlformats.org/officeDocument/2006/customXml" ds:itemID="{91D20234-650E-4C78-B2B0-0A76B1256276}">
+  <ds:schemaRefs>
+    <ds:schemaRef ds:uri="http://schemas.microsoft.com/sharepoint/v3/contenttype/forms"/>
+  </ds:schemaRefs>
+</ds:datastoreItem>
+</file>
+
+<file path=customXml/itemProps2.xml><?xml version="1.0" encoding="utf-8"?>
 <ds:datastoreItem xmlns:ds="http://schemas.openxmlformats.org/officeDocument/2006/customXml" ds:itemID="{8531B1E7-7091-4484-BE66-1C2B90F35CF0}">
   <ds:schemaRefs>
     <ds:schemaRef ds:uri="http://schemas.microsoft.com/office/2006/metadata/contentType"/>
@@ -14543,20 +14711,12 @@
 </ds:datastoreItem>
 </file>
 
-<file path=customXml/itemProps2.xml><?xml version="1.0" encoding="utf-8"?>
-<ds:datastoreItem xmlns:ds="http://schemas.openxmlformats.org/officeDocument/2006/customXml" ds:itemID="{91D20234-650E-4C78-B2B0-0A76B1256276}">
-  <ds:schemaRefs>
-    <ds:schemaRef ds:uri="http://schemas.microsoft.com/sharepoint/v3/contenttype/forms"/>
-  </ds:schemaRefs>
-</ds:datastoreItem>
-</file>
-
 <file path=customXml/itemProps3.xml><?xml version="1.0" encoding="utf-8"?>
 <ds:datastoreItem xmlns:ds="http://schemas.openxmlformats.org/officeDocument/2006/customXml" ds:itemID="{3851461D-01A4-4431-AEE1-28A3E783A2BA}">
   <ds:schemaRefs>
-    <ds:schemaRef ds:uri="http://schemas.microsoft.com/office/2006/documentManagement/types"/>
     <ds:schemaRef ds:uri="http://purl.org/dc/elements/1.1/"/>
     <ds:schemaRef ds:uri="http://schemas.microsoft.com/office/2006/metadata/properties"/>
+    <ds:schemaRef ds:uri="http://schemas.microsoft.com/office/2006/documentManagement/types"/>
     <ds:schemaRef ds:uri="http://purl.org/dc/terms/"/>
     <ds:schemaRef ds:uri="http://schemas.openxmlformats.org/package/2006/metadata/core-properties"/>
     <ds:schemaRef ds:uri="http://purl.org/dc/dcmitype/"/>
